--- a/Calendario2022/Presentaciones/21_ProtocolosRuteo.pptx
+++ b/Calendario2022/Presentaciones/21_ProtocolosRuteo.pptx
@@ -214,7 +214,7 @@
           <a:p>
             <a:fld id="{2D445F07-8756-451B-A938-0248325FC7BB}" type="datetimeFigureOut">
               <a:rPr lang="es-MX" smtClean="0"/>
-              <a:t>12/06/2022</a:t>
+              <a:t>14/06/2022</a:t>
             </a:fld>
             <a:endParaRPr lang="es-MX" dirty="0"/>
           </a:p>
@@ -999,7 +999,7 @@
           <a:p>
             <a:fld id="{5E75A0DC-66C6-4CEC-A5EB-F8C97CEC3796}" type="datetimeFigureOut">
               <a:rPr lang="es-MX" smtClean="0"/>
-              <a:t>12/06/2022</a:t>
+              <a:t>14/06/2022</a:t>
             </a:fld>
             <a:endParaRPr lang="es-MX" dirty="0"/>
           </a:p>
@@ -1169,7 +1169,7 @@
           <a:p>
             <a:fld id="{5E75A0DC-66C6-4CEC-A5EB-F8C97CEC3796}" type="datetimeFigureOut">
               <a:rPr lang="es-MX" smtClean="0"/>
-              <a:t>12/06/2022</a:t>
+              <a:t>14/06/2022</a:t>
             </a:fld>
             <a:endParaRPr lang="es-MX" dirty="0"/>
           </a:p>
@@ -1349,7 +1349,7 @@
           <a:p>
             <a:fld id="{5E75A0DC-66C6-4CEC-A5EB-F8C97CEC3796}" type="datetimeFigureOut">
               <a:rPr lang="es-MX" smtClean="0"/>
-              <a:t>12/06/2022</a:t>
+              <a:t>14/06/2022</a:t>
             </a:fld>
             <a:endParaRPr lang="es-MX" dirty="0"/>
           </a:p>
@@ -1519,7 +1519,7 @@
           <a:p>
             <a:fld id="{5E75A0DC-66C6-4CEC-A5EB-F8C97CEC3796}" type="datetimeFigureOut">
               <a:rPr lang="es-MX" smtClean="0"/>
-              <a:t>12/06/2022</a:t>
+              <a:t>14/06/2022</a:t>
             </a:fld>
             <a:endParaRPr lang="es-MX" dirty="0"/>
           </a:p>
@@ -1765,7 +1765,7 @@
           <a:p>
             <a:fld id="{5E75A0DC-66C6-4CEC-A5EB-F8C97CEC3796}" type="datetimeFigureOut">
               <a:rPr lang="es-MX" smtClean="0"/>
-              <a:t>12/06/2022</a:t>
+              <a:t>14/06/2022</a:t>
             </a:fld>
             <a:endParaRPr lang="es-MX" dirty="0"/>
           </a:p>
@@ -2053,7 +2053,7 @@
           <a:p>
             <a:fld id="{5E75A0DC-66C6-4CEC-A5EB-F8C97CEC3796}" type="datetimeFigureOut">
               <a:rPr lang="es-MX" smtClean="0"/>
-              <a:t>12/06/2022</a:t>
+              <a:t>14/06/2022</a:t>
             </a:fld>
             <a:endParaRPr lang="es-MX" dirty="0"/>
           </a:p>
@@ -2475,7 +2475,7 @@
           <a:p>
             <a:fld id="{5E75A0DC-66C6-4CEC-A5EB-F8C97CEC3796}" type="datetimeFigureOut">
               <a:rPr lang="es-MX" smtClean="0"/>
-              <a:t>12/06/2022</a:t>
+              <a:t>14/06/2022</a:t>
             </a:fld>
             <a:endParaRPr lang="es-MX" dirty="0"/>
           </a:p>
@@ -2593,7 +2593,7 @@
           <a:p>
             <a:fld id="{5E75A0DC-66C6-4CEC-A5EB-F8C97CEC3796}" type="datetimeFigureOut">
               <a:rPr lang="es-MX" smtClean="0"/>
-              <a:t>12/06/2022</a:t>
+              <a:t>14/06/2022</a:t>
             </a:fld>
             <a:endParaRPr lang="es-MX" dirty="0"/>
           </a:p>
@@ -2688,7 +2688,7 @@
           <a:p>
             <a:fld id="{5E75A0DC-66C6-4CEC-A5EB-F8C97CEC3796}" type="datetimeFigureOut">
               <a:rPr lang="es-MX" smtClean="0"/>
-              <a:t>12/06/2022</a:t>
+              <a:t>14/06/2022</a:t>
             </a:fld>
             <a:endParaRPr lang="es-MX" dirty="0"/>
           </a:p>
@@ -2965,7 +2965,7 @@
           <a:p>
             <a:fld id="{5E75A0DC-66C6-4CEC-A5EB-F8C97CEC3796}" type="datetimeFigureOut">
               <a:rPr lang="es-MX" smtClean="0"/>
-              <a:t>12/06/2022</a:t>
+              <a:t>14/06/2022</a:t>
             </a:fld>
             <a:endParaRPr lang="es-MX" dirty="0"/>
           </a:p>
@@ -3218,7 +3218,7 @@
           <a:p>
             <a:fld id="{5E75A0DC-66C6-4CEC-A5EB-F8C97CEC3796}" type="datetimeFigureOut">
               <a:rPr lang="es-MX" smtClean="0"/>
-              <a:t>12/06/2022</a:t>
+              <a:t>14/06/2022</a:t>
             </a:fld>
             <a:endParaRPr lang="es-MX" dirty="0"/>
           </a:p>
@@ -3431,7 +3431,7 @@
           <a:p>
             <a:fld id="{5E75A0DC-66C6-4CEC-A5EB-F8C97CEC3796}" type="datetimeFigureOut">
               <a:rPr lang="es-MX" smtClean="0"/>
-              <a:t>12/06/2022</a:t>
+              <a:t>14/06/2022</a:t>
             </a:fld>
             <a:endParaRPr lang="es-MX" dirty="0"/>
           </a:p>
